--- a/spring16/slidesS16/sets-operations.pptx
+++ b/spring16/slidesS16/sets-operations.pptx
@@ -2713,30 +2713,6 @@
           </a:p>
         </p:txBody>
       </p:sp>
-      <p:pic>
-        <p:nvPicPr>
-          <p:cNvPr id="11" name="Picture 10" descr="license.img"/>
-          <p:cNvPicPr>
-            <a:picLocks/>
-          </p:cNvPicPr>
-          <p:nvPr userDrawn="1"/>
-        </p:nvPicPr>
-        <p:blipFill>
-          <a:blip r:embed="rId9" cstate="print"/>
-          <a:stretch>
-            <a:fillRect/>
-          </a:stretch>
-        </p:blipFill>
-        <p:spPr>
-          <a:xfrm>
-            <a:off x="38415" y="6553200"/>
-            <a:ext cx="875985" cy="290315"/>
-          </a:xfrm>
-          <a:prstGeom prst="rect">
-            <a:avLst/>
-          </a:prstGeom>
-        </p:spPr>
-      </p:pic>
       <p:sp>
         <p:nvSpPr>
           <p:cNvPr id="12" name="TextBox 11"/>
@@ -2814,6 +2790,30 @@
           </a:p>
         </p:txBody>
       </p:sp>
+      <p:pic>
+        <p:nvPicPr>
+          <p:cNvPr id="10" name="Picture 9"/>
+          <p:cNvPicPr>
+            <a:picLocks noChangeAspect="1"/>
+          </p:cNvPicPr>
+          <p:nvPr userDrawn="1"/>
+        </p:nvPicPr>
+        <p:blipFill>
+          <a:blip r:embed="rId9"/>
+          <a:stretch>
+            <a:fillRect/>
+          </a:stretch>
+        </p:blipFill>
+        <p:spPr>
+          <a:xfrm>
+            <a:off x="0" y="6500090"/>
+            <a:ext cx="1016000" cy="357909"/>
+          </a:xfrm>
+          <a:prstGeom prst="rect">
+            <a:avLst/>
+          </a:prstGeom>
+        </p:spPr>
+      </p:pic>
     </p:spTree>
   </p:cSld>
   <p:clrMap bg1="lt1" tx1="dk1" bg2="lt2" tx2="dk2" accent1="accent1" accent2="accent2" accent3="accent3" accent4="accent4" accent5="accent5" accent6="accent6" hlink="hlink" folHlink="folHlink"/>
@@ -3420,7 +3420,7 @@
                 <a:ea typeface="+mj-ea"/>
                 <a:cs typeface="+mj-cs"/>
               </a:rPr>
-              <a:t>operations</a:t>
+              <a:t>Operations</a:t>
             </a:r>
             <a:endParaRPr kumimoji="0" lang="en-US" sz="8000" b="0" i="0" u="none" strike="noStrike" kern="0" cap="none" spc="0" normalizeH="0" baseline="0" noProof="0" dirty="0">
               <a:ln>
@@ -3532,7 +3532,7 @@
           <a:graphicData uri="http://schemas.openxmlformats.org/presentationml/2006/ole">
             <mc:AlternateContent xmlns:mc="http://schemas.openxmlformats.org/markup-compatibility/2006">
               <mc:Choice xmlns:v="urn:schemas-microsoft-com:vml" Requires="v">
-                <p:oleObj spid="_x0000_s1050" name="Equation" r:id="rId5" imgW="2070100" imgH="330200" progId="Equation.DSMT4">
+                <p:oleObj spid="_x0000_s1052" name="Equation" r:id="rId5" imgW="2070100" imgH="330200" progId="Equation.DSMT4">
                   <p:embed/>
                 </p:oleObj>
               </mc:Choice>
@@ -4115,7 +4115,7 @@
           <a:graphicData uri="http://schemas.openxmlformats.org/presentationml/2006/ole">
             <mc:AlternateContent xmlns:mc="http://schemas.openxmlformats.org/markup-compatibility/2006">
               <mc:Choice xmlns:v="urn:schemas-microsoft-com:vml" Requires="v">
-                <p:oleObj spid="_x0000_s580613" name="Equation" r:id="rId5" imgW="2070100" imgH="330200" progId="Equation.DSMT4">
+                <p:oleObj spid="_x0000_s580615" name="Equation" r:id="rId5" imgW="2070100" imgH="330200" progId="Equation.DSMT4">
                   <p:embed/>
                 </p:oleObj>
               </mc:Choice>
@@ -5538,7 +5538,7 @@
           <a:graphicData uri="http://schemas.openxmlformats.org/presentationml/2006/ole">
             <mc:AlternateContent xmlns:mc="http://schemas.openxmlformats.org/markup-compatibility/2006">
               <mc:Choice xmlns:v="urn:schemas-microsoft-com:vml" Requires="v">
-                <p:oleObj spid="_x0000_s578578" name="Equation" r:id="rId5" imgW="1651000" imgH="355600" progId="Equation.DSMT4">
+                <p:oleObj spid="_x0000_s578580" name="Equation" r:id="rId5" imgW="1651000" imgH="355600" progId="Equation.DSMT4">
                   <p:embed/>
                 </p:oleObj>
               </mc:Choice>
@@ -5848,7 +5848,7 @@
           <a:graphicData uri="http://schemas.openxmlformats.org/presentationml/2006/ole">
             <mc:AlternateContent xmlns:mc="http://schemas.openxmlformats.org/markup-compatibility/2006">
               <mc:Choice xmlns:v="urn:schemas-microsoft-com:vml" Requires="v">
-                <p:oleObj spid="_x0000_s579601" name="Equation" r:id="rId4" imgW="1651000" imgH="355600" progId="Equation.DSMT4">
+                <p:oleObj spid="_x0000_s579603" name="Equation" r:id="rId4" imgW="1651000" imgH="355600" progId="Equation.DSMT4">
                   <p:embed/>
                 </p:oleObj>
               </mc:Choice>
@@ -6539,7 +6539,7 @@
           <a:graphicData uri="http://schemas.openxmlformats.org/presentationml/2006/ole">
             <mc:AlternateContent xmlns:mc="http://schemas.openxmlformats.org/markup-compatibility/2006">
               <mc:Choice xmlns:v="urn:schemas-microsoft-com:vml" Requires="v">
-                <p:oleObj spid="_x0000_s577589" name="Equation" r:id="rId5" imgW="2019240" imgH="279360" progId="Equation.DSMT4">
+                <p:oleObj spid="_x0000_s577591" name="Equation" r:id="rId5" imgW="2019240" imgH="279360" progId="Equation.DSMT4">
                   <p:embed/>
                 </p:oleObj>
               </mc:Choice>
@@ -7329,7 +7329,7 @@
           <a:graphicData uri="http://schemas.openxmlformats.org/presentationml/2006/ole">
             <mc:AlternateContent xmlns:mc="http://schemas.openxmlformats.org/markup-compatibility/2006">
               <mc:Choice xmlns:v="urn:schemas-microsoft-com:vml" Requires="v">
-                <p:oleObj spid="_x0000_s575541" name="Equation" r:id="rId5" imgW="2108160" imgH="279360" progId="Equation.DSMT4">
+                <p:oleObj spid="_x0000_s575543" name="Equation" r:id="rId5" imgW="2108160" imgH="279360" progId="Equation.DSMT4">
                   <p:embed/>
                 </p:oleObj>
               </mc:Choice>
